--- a/Lectures/GitHub.pptx
+++ b/Lectures/GitHub.pptx
@@ -15604,7 +15604,7 @@
             <a:fld id="{B61BEF0D-F0BB-DE4B-95CE-6DB70DBA9567}" type="datetimeFigureOut">
               <a:rPr lang="en-US" smtClean="0"/>
               <a:pPr/>
-              <a:t>7/29/18</a:t>
+              <a:t>7/16/21</a:t>
             </a:fld>
             <a:endParaRPr lang="en-US" dirty="0"/>
           </a:p>
@@ -15804,7 +15804,7 @@
             <a:fld id="{B61BEF0D-F0BB-DE4B-95CE-6DB70DBA9567}" type="datetimeFigureOut">
               <a:rPr lang="en-US" smtClean="0"/>
               <a:pPr/>
-              <a:t>7/29/18</a:t>
+              <a:t>7/16/21</a:t>
             </a:fld>
             <a:endParaRPr lang="en-US" dirty="0"/>
           </a:p>
@@ -16019,7 +16019,7 @@
             <a:fld id="{B61BEF0D-F0BB-DE4B-95CE-6DB70DBA9567}" type="datetimeFigureOut">
               <a:rPr lang="en-US" smtClean="0"/>
               <a:pPr/>
-              <a:t>7/29/18</a:t>
+              <a:t>7/16/21</a:t>
             </a:fld>
             <a:endParaRPr lang="en-US" dirty="0"/>
           </a:p>
@@ -16559,7 +16559,7 @@
             <a:fld id="{B61BEF0D-F0BB-DE4B-95CE-6DB70DBA9567}" type="datetimeFigureOut">
               <a:rPr lang="en-US" smtClean="0"/>
               <a:pPr/>
-              <a:t>7/29/18</a:t>
+              <a:t>7/16/21</a:t>
             </a:fld>
             <a:endParaRPr lang="en-US" dirty="0"/>
           </a:p>
@@ -16837,7 +16837,7 @@
             <a:fld id="{B61BEF0D-F0BB-DE4B-95CE-6DB70DBA9567}" type="datetimeFigureOut">
               <a:rPr lang="en-US" smtClean="0"/>
               <a:pPr/>
-              <a:t>7/29/18</a:t>
+              <a:t>7/16/21</a:t>
             </a:fld>
             <a:endParaRPr lang="en-US" dirty="0"/>
           </a:p>
@@ -17109,7 +17109,7 @@
             <a:fld id="{B61BEF0D-F0BB-DE4B-95CE-6DB70DBA9567}" type="datetimeFigureOut">
               <a:rPr lang="en-US" smtClean="0"/>
               <a:pPr/>
-              <a:t>7/29/18</a:t>
+              <a:t>7/16/21</a:t>
             </a:fld>
             <a:endParaRPr lang="en-US" dirty="0"/>
           </a:p>
@@ -17528,7 +17528,7 @@
             <a:fld id="{B61BEF0D-F0BB-DE4B-95CE-6DB70DBA9567}" type="datetimeFigureOut">
               <a:rPr lang="en-US" smtClean="0"/>
               <a:pPr/>
-              <a:t>7/29/18</a:t>
+              <a:t>7/16/21</a:t>
             </a:fld>
             <a:endParaRPr lang="en-US" dirty="0"/>
           </a:p>
@@ -17676,7 +17676,7 @@
             <a:fld id="{B61BEF0D-F0BB-DE4B-95CE-6DB70DBA9567}" type="datetimeFigureOut">
               <a:rPr lang="en-US" smtClean="0"/>
               <a:pPr/>
-              <a:t>7/29/18</a:t>
+              <a:t>7/16/21</a:t>
             </a:fld>
             <a:endParaRPr lang="en-US" dirty="0"/>
           </a:p>
@@ -17796,7 +17796,7 @@
             <a:fld id="{B61BEF0D-F0BB-DE4B-95CE-6DB70DBA9567}" type="datetimeFigureOut">
               <a:rPr lang="en-US" smtClean="0"/>
               <a:pPr/>
-              <a:t>7/29/18</a:t>
+              <a:t>7/16/21</a:t>
             </a:fld>
             <a:endParaRPr lang="en-US" dirty="0"/>
           </a:p>
@@ -18114,7 +18114,7 @@
             <a:fld id="{B61BEF0D-F0BB-DE4B-95CE-6DB70DBA9567}" type="datetimeFigureOut">
               <a:rPr lang="en-US" smtClean="0"/>
               <a:pPr/>
-              <a:t>7/29/18</a:t>
+              <a:t>7/16/21</a:t>
             </a:fld>
             <a:endParaRPr lang="en-US" dirty="0"/>
           </a:p>
@@ -18409,7 +18409,7 @@
             <a:fld id="{B61BEF0D-F0BB-DE4B-95CE-6DB70DBA9567}" type="datetimeFigureOut">
               <a:rPr lang="en-US" smtClean="0"/>
               <a:pPr/>
-              <a:t>7/29/18</a:t>
+              <a:t>7/16/21</a:t>
             </a:fld>
             <a:endParaRPr lang="en-US" dirty="0"/>
           </a:p>
@@ -18657,7 +18657,7 @@
             <a:fld id="{B61BEF0D-F0BB-DE4B-95CE-6DB70DBA9567}" type="datetimeFigureOut">
               <a:rPr lang="en-US" smtClean="0"/>
               <a:pPr/>
-              <a:t>7/29/18</a:t>
+              <a:t>7/16/21</a:t>
             </a:fld>
             <a:endParaRPr lang="en-US" dirty="0"/>
           </a:p>
@@ -19351,13 +19351,14 @@
           <a:lstStyle/>
           <a:p>
             <a:r>
-              <a:rPr lang="en-US" sz="1800" dirty="0" err="1"/>
-              <a:t>Dr</a:t>
+              <a:rPr lang="en-US" sz="1800" dirty="0"/>
+              <a:t>Camilo </a:t>
             </a:r>
             <a:r>
-              <a:rPr lang="en-US" sz="1800" dirty="0"/>
-              <a:t> David Glance</a:t>
+              <a:rPr lang="en-US" sz="1800" dirty="0" err="1"/>
+              <a:t>Pestana</a:t>
             </a:r>
+            <a:endParaRPr lang="en-US" sz="1800" dirty="0"/>
           </a:p>
         </p:txBody>
       </p:sp>
@@ -23997,7 +23998,7 @@
                 </a:solidFill>
               </a:rPr>
               <a:pPr/>
-              <a:t>3</a:t>
+              <a:t>24</a:t>
             </a:fld>
             <a:endParaRPr lang="en-GB">
               <a:solidFill>
@@ -25907,7 +25908,7 @@
                 </a:solidFill>
               </a:rPr>
               <a:pPr/>
-              <a:t>3</a:t>
+              <a:t>29</a:t>
             </a:fld>
             <a:endParaRPr lang="en-GB">
               <a:solidFill>
@@ -27204,7 +27205,7 @@
                 </a:solidFill>
               </a:rPr>
               <a:pPr/>
-              <a:t>2</a:t>
+              <a:t>30</a:t>
             </a:fld>
             <a:endParaRPr lang="en-GB">
               <a:solidFill>
@@ -27994,7 +27995,7 @@
                 </a:solidFill>
               </a:rPr>
               <a:pPr/>
-              <a:t>3</a:t>
+              <a:t>31</a:t>
             </a:fld>
             <a:endParaRPr lang="en-GB">
               <a:solidFill>
@@ -28784,7 +28785,7 @@
                 </a:solidFill>
               </a:rPr>
               <a:pPr/>
-              <a:t>3</a:t>
+              <a:t>32</a:t>
             </a:fld>
             <a:endParaRPr lang="en-GB">
               <a:solidFill>
@@ -29856,7 +29857,7 @@
                 </a:solidFill>
               </a:rPr>
               <a:pPr/>
-              <a:t>2</a:t>
+              <a:t>5</a:t>
             </a:fld>
             <a:endParaRPr lang="en-GB">
               <a:solidFill>
@@ -30401,7 +30402,7 @@
                 </a:solidFill>
               </a:rPr>
               <a:pPr/>
-              <a:t>2</a:t>
+              <a:t>6</a:t>
             </a:fld>
             <a:endParaRPr lang="en-GB">
               <a:solidFill>
